--- a/machine_learning_with_csharp_using_mlnet/ml_using_mlnet.pptx
+++ b/machine_learning_with_csharp_using_mlnet/ml_using_mlnet.pptx
@@ -72,8 +72,8 @@
         </p:nvSpPr>
         <p:spPr>
           <a:xfrm>
-            <a:off x="504000" y="210600"/>
-            <a:ext cx="7019280" cy="946800"/>
+            <a:off x="504000" y="226080"/>
+            <a:ext cx="9072000" cy="946440"/>
           </a:xfrm>
           <a:prstGeom prst="rect">
             <a:avLst/>
@@ -103,8 +103,8 @@
         </p:nvSpPr>
         <p:spPr>
           <a:xfrm>
-            <a:off x="504000" y="1368000"/>
-            <a:ext cx="9071280" cy="1567800"/>
+            <a:off x="504000" y="1326600"/>
+            <a:ext cx="9072000" cy="1568520"/>
           </a:xfrm>
           <a:prstGeom prst="rect">
             <a:avLst/>
@@ -133,8 +133,8 @@
         </p:nvSpPr>
         <p:spPr>
           <a:xfrm>
-            <a:off x="504000" y="3085200"/>
-            <a:ext cx="9071280" cy="1567800"/>
+            <a:off x="504000" y="3044520"/>
+            <a:ext cx="9072000" cy="1568520"/>
           </a:xfrm>
           <a:prstGeom prst="rect">
             <a:avLst/>
@@ -185,8 +185,8 @@
         </p:nvSpPr>
         <p:spPr>
           <a:xfrm>
-            <a:off x="504000" y="210600"/>
-            <a:ext cx="7019280" cy="946800"/>
+            <a:off x="504000" y="226080"/>
+            <a:ext cx="9072000" cy="946440"/>
           </a:xfrm>
           <a:prstGeom prst="rect">
             <a:avLst/>
@@ -216,8 +216,8 @@
         </p:nvSpPr>
         <p:spPr>
           <a:xfrm>
-            <a:off x="504000" y="1368000"/>
-            <a:ext cx="4426560" cy="1567800"/>
+            <a:off x="504000" y="1326600"/>
+            <a:ext cx="4426920" cy="1568520"/>
           </a:xfrm>
           <a:prstGeom prst="rect">
             <a:avLst/>
@@ -246,8 +246,8 @@
         </p:nvSpPr>
         <p:spPr>
           <a:xfrm>
-            <a:off x="5152320" y="1368000"/>
-            <a:ext cx="4426560" cy="1567800"/>
+            <a:off x="5152680" y="1326600"/>
+            <a:ext cx="4426920" cy="1568520"/>
           </a:xfrm>
           <a:prstGeom prst="rect">
             <a:avLst/>
@@ -276,8 +276,8 @@
         </p:nvSpPr>
         <p:spPr>
           <a:xfrm>
-            <a:off x="504000" y="3085200"/>
-            <a:ext cx="4426560" cy="1567800"/>
+            <a:off x="504000" y="3044520"/>
+            <a:ext cx="4426920" cy="1568520"/>
           </a:xfrm>
           <a:prstGeom prst="rect">
             <a:avLst/>
@@ -306,8 +306,8 @@
         </p:nvSpPr>
         <p:spPr>
           <a:xfrm>
-            <a:off x="5152320" y="3085200"/>
-            <a:ext cx="4426560" cy="1567800"/>
+            <a:off x="5152680" y="3044520"/>
+            <a:ext cx="4426920" cy="1568520"/>
           </a:xfrm>
           <a:prstGeom prst="rect">
             <a:avLst/>
@@ -358,8 +358,8 @@
         </p:nvSpPr>
         <p:spPr>
           <a:xfrm>
-            <a:off x="504000" y="210600"/>
-            <a:ext cx="7019280" cy="946800"/>
+            <a:off x="504000" y="226080"/>
+            <a:ext cx="9072000" cy="946440"/>
           </a:xfrm>
           <a:prstGeom prst="rect">
             <a:avLst/>
@@ -389,8 +389,8 @@
         </p:nvSpPr>
         <p:spPr>
           <a:xfrm>
-            <a:off x="504000" y="1368000"/>
-            <a:ext cx="2920680" cy="1567800"/>
+            <a:off x="504000" y="1326600"/>
+            <a:ext cx="2921040" cy="1568520"/>
           </a:xfrm>
           <a:prstGeom prst="rect">
             <a:avLst/>
@@ -419,8 +419,8 @@
         </p:nvSpPr>
         <p:spPr>
           <a:xfrm>
-            <a:off x="3571200" y="1368000"/>
-            <a:ext cx="2920680" cy="1567800"/>
+            <a:off x="3571560" y="1326600"/>
+            <a:ext cx="2921040" cy="1568520"/>
           </a:xfrm>
           <a:prstGeom prst="rect">
             <a:avLst/>
@@ -449,8 +449,8 @@
         </p:nvSpPr>
         <p:spPr>
           <a:xfrm>
-            <a:off x="6638040" y="1368000"/>
-            <a:ext cx="2920680" cy="1567800"/>
+            <a:off x="6639120" y="1326600"/>
+            <a:ext cx="2921040" cy="1568520"/>
           </a:xfrm>
           <a:prstGeom prst="rect">
             <a:avLst/>
@@ -479,8 +479,8 @@
         </p:nvSpPr>
         <p:spPr>
           <a:xfrm>
-            <a:off x="504000" y="3085200"/>
-            <a:ext cx="2920680" cy="1567800"/>
+            <a:off x="504000" y="3044520"/>
+            <a:ext cx="2921040" cy="1568520"/>
           </a:xfrm>
           <a:prstGeom prst="rect">
             <a:avLst/>
@@ -509,8 +509,8 @@
         </p:nvSpPr>
         <p:spPr>
           <a:xfrm>
-            <a:off x="3571200" y="3085200"/>
-            <a:ext cx="2920680" cy="1567800"/>
+            <a:off x="3571560" y="3044520"/>
+            <a:ext cx="2921040" cy="1568520"/>
           </a:xfrm>
           <a:prstGeom prst="rect">
             <a:avLst/>
@@ -539,8 +539,8 @@
         </p:nvSpPr>
         <p:spPr>
           <a:xfrm>
-            <a:off x="6638040" y="3085200"/>
-            <a:ext cx="2920680" cy="1567800"/>
+            <a:off x="6639120" y="3044520"/>
+            <a:ext cx="2921040" cy="1568520"/>
           </a:xfrm>
           <a:prstGeom prst="rect">
             <a:avLst/>
@@ -613,8 +613,8 @@
         </p:nvSpPr>
         <p:spPr>
           <a:xfrm>
-            <a:off x="504000" y="210600"/>
-            <a:ext cx="7019280" cy="946800"/>
+            <a:off x="504000" y="226080"/>
+            <a:ext cx="9072000" cy="946440"/>
           </a:xfrm>
           <a:prstGeom prst="rect">
             <a:avLst/>
@@ -644,8 +644,8 @@
         </p:nvSpPr>
         <p:spPr>
           <a:xfrm>
-            <a:off x="504000" y="1368000"/>
-            <a:ext cx="9071280" cy="3287520"/>
+            <a:off x="504000" y="1326600"/>
+            <a:ext cx="9072000" cy="3288600"/>
           </a:xfrm>
           <a:prstGeom prst="rect">
             <a:avLst/>
@@ -697,8 +697,8 @@
         </p:nvSpPr>
         <p:spPr>
           <a:xfrm>
-            <a:off x="504000" y="210600"/>
-            <a:ext cx="7019280" cy="946800"/>
+            <a:off x="504000" y="226080"/>
+            <a:ext cx="9072000" cy="946440"/>
           </a:xfrm>
           <a:prstGeom prst="rect">
             <a:avLst/>
@@ -728,8 +728,8 @@
         </p:nvSpPr>
         <p:spPr>
           <a:xfrm>
-            <a:off x="504000" y="1368000"/>
-            <a:ext cx="9071280" cy="3287520"/>
+            <a:off x="504000" y="1326600"/>
+            <a:ext cx="9072000" cy="3288600"/>
           </a:xfrm>
           <a:prstGeom prst="rect">
             <a:avLst/>
@@ -780,8 +780,8 @@
         </p:nvSpPr>
         <p:spPr>
           <a:xfrm>
-            <a:off x="504000" y="210600"/>
-            <a:ext cx="7019280" cy="946800"/>
+            <a:off x="504000" y="226080"/>
+            <a:ext cx="9072000" cy="946440"/>
           </a:xfrm>
           <a:prstGeom prst="rect">
             <a:avLst/>
@@ -811,8 +811,8 @@
         </p:nvSpPr>
         <p:spPr>
           <a:xfrm>
-            <a:off x="504000" y="1368000"/>
-            <a:ext cx="4426560" cy="3287520"/>
+            <a:off x="504000" y="1326600"/>
+            <a:ext cx="4426920" cy="3288600"/>
           </a:xfrm>
           <a:prstGeom prst="rect">
             <a:avLst/>
@@ -841,8 +841,8 @@
         </p:nvSpPr>
         <p:spPr>
           <a:xfrm>
-            <a:off x="5152320" y="1368000"/>
-            <a:ext cx="4426560" cy="3287520"/>
+            <a:off x="5152680" y="1326600"/>
+            <a:ext cx="4426920" cy="3288600"/>
           </a:xfrm>
           <a:prstGeom prst="rect">
             <a:avLst/>
@@ -893,8 +893,8 @@
         </p:nvSpPr>
         <p:spPr>
           <a:xfrm>
-            <a:off x="504000" y="210600"/>
-            <a:ext cx="7019280" cy="946800"/>
+            <a:off x="504000" y="226080"/>
+            <a:ext cx="9072000" cy="946440"/>
           </a:xfrm>
           <a:prstGeom prst="rect">
             <a:avLst/>
@@ -946,8 +946,8 @@
         </p:nvSpPr>
         <p:spPr>
           <a:xfrm>
-            <a:off x="504000" y="210600"/>
-            <a:ext cx="7019280" cy="4390200"/>
+            <a:off x="504000" y="226080"/>
+            <a:ext cx="9072000" cy="4388400"/>
           </a:xfrm>
           <a:prstGeom prst="rect">
             <a:avLst/>
@@ -999,8 +999,8 @@
         </p:nvSpPr>
         <p:spPr>
           <a:xfrm>
-            <a:off x="504000" y="210600"/>
-            <a:ext cx="7019280" cy="946800"/>
+            <a:off x="504000" y="226080"/>
+            <a:ext cx="9072000" cy="946440"/>
           </a:xfrm>
           <a:prstGeom prst="rect">
             <a:avLst/>
@@ -1030,8 +1030,8 @@
         </p:nvSpPr>
         <p:spPr>
           <a:xfrm>
-            <a:off x="504000" y="1368000"/>
-            <a:ext cx="4426560" cy="1567800"/>
+            <a:off x="504000" y="1326600"/>
+            <a:ext cx="4426920" cy="1568520"/>
           </a:xfrm>
           <a:prstGeom prst="rect">
             <a:avLst/>
@@ -1060,8 +1060,8 @@
         </p:nvSpPr>
         <p:spPr>
           <a:xfrm>
-            <a:off x="5152320" y="1368000"/>
-            <a:ext cx="4426560" cy="3287520"/>
+            <a:off x="5152680" y="1326600"/>
+            <a:ext cx="4426920" cy="3288600"/>
           </a:xfrm>
           <a:prstGeom prst="rect">
             <a:avLst/>
@@ -1090,8 +1090,8 @@
         </p:nvSpPr>
         <p:spPr>
           <a:xfrm>
-            <a:off x="504000" y="3085200"/>
-            <a:ext cx="4426560" cy="1567800"/>
+            <a:off x="504000" y="3044520"/>
+            <a:ext cx="4426920" cy="1568520"/>
           </a:xfrm>
           <a:prstGeom prst="rect">
             <a:avLst/>
@@ -1142,8 +1142,8 @@
         </p:nvSpPr>
         <p:spPr>
           <a:xfrm>
-            <a:off x="504000" y="210600"/>
-            <a:ext cx="7019280" cy="946800"/>
+            <a:off x="504000" y="226080"/>
+            <a:ext cx="9072000" cy="946440"/>
           </a:xfrm>
           <a:prstGeom prst="rect">
             <a:avLst/>
@@ -1173,8 +1173,8 @@
         </p:nvSpPr>
         <p:spPr>
           <a:xfrm>
-            <a:off x="504000" y="1368000"/>
-            <a:ext cx="9071280" cy="3287520"/>
+            <a:off x="504000" y="1326600"/>
+            <a:ext cx="9072000" cy="3288600"/>
           </a:xfrm>
           <a:prstGeom prst="rect">
             <a:avLst/>
@@ -1226,8 +1226,8 @@
         </p:nvSpPr>
         <p:spPr>
           <a:xfrm>
-            <a:off x="504000" y="210600"/>
-            <a:ext cx="7019280" cy="946800"/>
+            <a:off x="504000" y="226080"/>
+            <a:ext cx="9072000" cy="946440"/>
           </a:xfrm>
           <a:prstGeom prst="rect">
             <a:avLst/>
@@ -1257,8 +1257,8 @@
         </p:nvSpPr>
         <p:spPr>
           <a:xfrm>
-            <a:off x="504000" y="1368000"/>
-            <a:ext cx="4426560" cy="3287520"/>
+            <a:off x="504000" y="1326600"/>
+            <a:ext cx="4426920" cy="3288600"/>
           </a:xfrm>
           <a:prstGeom prst="rect">
             <a:avLst/>
@@ -1287,8 +1287,8 @@
         </p:nvSpPr>
         <p:spPr>
           <a:xfrm>
-            <a:off x="5152320" y="1368000"/>
-            <a:ext cx="4426560" cy="1567800"/>
+            <a:off x="5152680" y="1326600"/>
+            <a:ext cx="4426920" cy="1568520"/>
           </a:xfrm>
           <a:prstGeom prst="rect">
             <a:avLst/>
@@ -1317,8 +1317,8 @@
         </p:nvSpPr>
         <p:spPr>
           <a:xfrm>
-            <a:off x="5152320" y="3085200"/>
-            <a:ext cx="4426560" cy="1567800"/>
+            <a:off x="5152680" y="3044520"/>
+            <a:ext cx="4426920" cy="1568520"/>
           </a:xfrm>
           <a:prstGeom prst="rect">
             <a:avLst/>
@@ -1369,8 +1369,8 @@
         </p:nvSpPr>
         <p:spPr>
           <a:xfrm>
-            <a:off x="504000" y="210600"/>
-            <a:ext cx="7019280" cy="946800"/>
+            <a:off x="504000" y="226080"/>
+            <a:ext cx="9072000" cy="946440"/>
           </a:xfrm>
           <a:prstGeom prst="rect">
             <a:avLst/>
@@ -1400,8 +1400,8 @@
         </p:nvSpPr>
         <p:spPr>
           <a:xfrm>
-            <a:off x="504000" y="1368000"/>
-            <a:ext cx="4426560" cy="1567800"/>
+            <a:off x="504000" y="1326600"/>
+            <a:ext cx="4426920" cy="1568520"/>
           </a:xfrm>
           <a:prstGeom prst="rect">
             <a:avLst/>
@@ -1430,8 +1430,8 @@
         </p:nvSpPr>
         <p:spPr>
           <a:xfrm>
-            <a:off x="5152320" y="1368000"/>
-            <a:ext cx="4426560" cy="1567800"/>
+            <a:off x="5152680" y="1326600"/>
+            <a:ext cx="4426920" cy="1568520"/>
           </a:xfrm>
           <a:prstGeom prst="rect">
             <a:avLst/>
@@ -1460,8 +1460,8 @@
         </p:nvSpPr>
         <p:spPr>
           <a:xfrm>
-            <a:off x="504000" y="3085200"/>
-            <a:ext cx="9071280" cy="1567800"/>
+            <a:off x="504000" y="3044520"/>
+            <a:ext cx="9072000" cy="1568520"/>
           </a:xfrm>
           <a:prstGeom prst="rect">
             <a:avLst/>
@@ -1512,8 +1512,8 @@
         </p:nvSpPr>
         <p:spPr>
           <a:xfrm>
-            <a:off x="504000" y="210600"/>
-            <a:ext cx="7019280" cy="946800"/>
+            <a:off x="504000" y="226080"/>
+            <a:ext cx="9072000" cy="946440"/>
           </a:xfrm>
           <a:prstGeom prst="rect">
             <a:avLst/>
@@ -1543,8 +1543,8 @@
         </p:nvSpPr>
         <p:spPr>
           <a:xfrm>
-            <a:off x="504000" y="1368000"/>
-            <a:ext cx="9071280" cy="1567800"/>
+            <a:off x="504000" y="1326600"/>
+            <a:ext cx="9072000" cy="1568520"/>
           </a:xfrm>
           <a:prstGeom prst="rect">
             <a:avLst/>
@@ -1573,8 +1573,8 @@
         </p:nvSpPr>
         <p:spPr>
           <a:xfrm>
-            <a:off x="504000" y="3085200"/>
-            <a:ext cx="9071280" cy="1567800"/>
+            <a:off x="504000" y="3044520"/>
+            <a:ext cx="9072000" cy="1568520"/>
           </a:xfrm>
           <a:prstGeom prst="rect">
             <a:avLst/>
@@ -1625,8 +1625,8 @@
         </p:nvSpPr>
         <p:spPr>
           <a:xfrm>
-            <a:off x="504000" y="210600"/>
-            <a:ext cx="7019280" cy="946800"/>
+            <a:off x="504000" y="226080"/>
+            <a:ext cx="9072000" cy="946440"/>
           </a:xfrm>
           <a:prstGeom prst="rect">
             <a:avLst/>
@@ -1656,8 +1656,8 @@
         </p:nvSpPr>
         <p:spPr>
           <a:xfrm>
-            <a:off x="504000" y="1368000"/>
-            <a:ext cx="4426560" cy="1567800"/>
+            <a:off x="504000" y="1326600"/>
+            <a:ext cx="4426920" cy="1568520"/>
           </a:xfrm>
           <a:prstGeom prst="rect">
             <a:avLst/>
@@ -1686,8 +1686,8 @@
         </p:nvSpPr>
         <p:spPr>
           <a:xfrm>
-            <a:off x="5152320" y="1368000"/>
-            <a:ext cx="4426560" cy="1567800"/>
+            <a:off x="5152680" y="1326600"/>
+            <a:ext cx="4426920" cy="1568520"/>
           </a:xfrm>
           <a:prstGeom prst="rect">
             <a:avLst/>
@@ -1716,8 +1716,8 @@
         </p:nvSpPr>
         <p:spPr>
           <a:xfrm>
-            <a:off x="504000" y="3085200"/>
-            <a:ext cx="4426560" cy="1567800"/>
+            <a:off x="504000" y="3044520"/>
+            <a:ext cx="4426920" cy="1568520"/>
           </a:xfrm>
           <a:prstGeom prst="rect">
             <a:avLst/>
@@ -1746,8 +1746,8 @@
         </p:nvSpPr>
         <p:spPr>
           <a:xfrm>
-            <a:off x="5152320" y="3085200"/>
-            <a:ext cx="4426560" cy="1567800"/>
+            <a:off x="5152680" y="3044520"/>
+            <a:ext cx="4426920" cy="1568520"/>
           </a:xfrm>
           <a:prstGeom prst="rect">
             <a:avLst/>
@@ -1798,8 +1798,8 @@
         </p:nvSpPr>
         <p:spPr>
           <a:xfrm>
-            <a:off x="504000" y="210600"/>
-            <a:ext cx="7019280" cy="946800"/>
+            <a:off x="504000" y="226080"/>
+            <a:ext cx="9072000" cy="946440"/>
           </a:xfrm>
           <a:prstGeom prst="rect">
             <a:avLst/>
@@ -1829,8 +1829,8 @@
         </p:nvSpPr>
         <p:spPr>
           <a:xfrm>
-            <a:off x="504000" y="1368000"/>
-            <a:ext cx="2920680" cy="1567800"/>
+            <a:off x="504000" y="1326600"/>
+            <a:ext cx="2921040" cy="1568520"/>
           </a:xfrm>
           <a:prstGeom prst="rect">
             <a:avLst/>
@@ -1859,8 +1859,8 @@
         </p:nvSpPr>
         <p:spPr>
           <a:xfrm>
-            <a:off x="3571200" y="1368000"/>
-            <a:ext cx="2920680" cy="1567800"/>
+            <a:off x="3571560" y="1326600"/>
+            <a:ext cx="2921040" cy="1568520"/>
           </a:xfrm>
           <a:prstGeom prst="rect">
             <a:avLst/>
@@ -1889,8 +1889,8 @@
         </p:nvSpPr>
         <p:spPr>
           <a:xfrm>
-            <a:off x="6638040" y="1368000"/>
-            <a:ext cx="2920680" cy="1567800"/>
+            <a:off x="6639120" y="1326600"/>
+            <a:ext cx="2921040" cy="1568520"/>
           </a:xfrm>
           <a:prstGeom prst="rect">
             <a:avLst/>
@@ -1919,8 +1919,8 @@
         </p:nvSpPr>
         <p:spPr>
           <a:xfrm>
-            <a:off x="504000" y="3085200"/>
-            <a:ext cx="2920680" cy="1567800"/>
+            <a:off x="504000" y="3044520"/>
+            <a:ext cx="2921040" cy="1568520"/>
           </a:xfrm>
           <a:prstGeom prst="rect">
             <a:avLst/>
@@ -1949,8 +1949,8 @@
         </p:nvSpPr>
         <p:spPr>
           <a:xfrm>
-            <a:off x="3571200" y="3085200"/>
-            <a:ext cx="2920680" cy="1567800"/>
+            <a:off x="3571560" y="3044520"/>
+            <a:ext cx="2921040" cy="1568520"/>
           </a:xfrm>
           <a:prstGeom prst="rect">
             <a:avLst/>
@@ -1979,8 +1979,8 @@
         </p:nvSpPr>
         <p:spPr>
           <a:xfrm>
-            <a:off x="6638040" y="3085200"/>
-            <a:ext cx="2920680" cy="1567800"/>
+            <a:off x="6639120" y="3044520"/>
+            <a:ext cx="2921040" cy="1568520"/>
           </a:xfrm>
           <a:prstGeom prst="rect">
             <a:avLst/>
@@ -2031,8 +2031,8 @@
         </p:nvSpPr>
         <p:spPr>
           <a:xfrm>
-            <a:off x="504000" y="210600"/>
-            <a:ext cx="7019280" cy="946800"/>
+            <a:off x="504000" y="226080"/>
+            <a:ext cx="9072000" cy="946440"/>
           </a:xfrm>
           <a:prstGeom prst="rect">
             <a:avLst/>
@@ -2062,8 +2062,8 @@
         </p:nvSpPr>
         <p:spPr>
           <a:xfrm>
-            <a:off x="504000" y="1368000"/>
-            <a:ext cx="9071280" cy="3287520"/>
+            <a:off x="504000" y="1326600"/>
+            <a:ext cx="9072000" cy="3288600"/>
           </a:xfrm>
           <a:prstGeom prst="rect">
             <a:avLst/>
@@ -2114,8 +2114,8 @@
         </p:nvSpPr>
         <p:spPr>
           <a:xfrm>
-            <a:off x="504000" y="210600"/>
-            <a:ext cx="7019280" cy="946800"/>
+            <a:off x="504000" y="226080"/>
+            <a:ext cx="9072000" cy="946440"/>
           </a:xfrm>
           <a:prstGeom prst="rect">
             <a:avLst/>
@@ -2145,8 +2145,8 @@
         </p:nvSpPr>
         <p:spPr>
           <a:xfrm>
-            <a:off x="504000" y="1368000"/>
-            <a:ext cx="4426560" cy="3287520"/>
+            <a:off x="504000" y="1326600"/>
+            <a:ext cx="4426920" cy="3288600"/>
           </a:xfrm>
           <a:prstGeom prst="rect">
             <a:avLst/>
@@ -2175,8 +2175,8 @@
         </p:nvSpPr>
         <p:spPr>
           <a:xfrm>
-            <a:off x="5152320" y="1368000"/>
-            <a:ext cx="4426560" cy="3287520"/>
+            <a:off x="5152680" y="1326600"/>
+            <a:ext cx="4426920" cy="3288600"/>
           </a:xfrm>
           <a:prstGeom prst="rect">
             <a:avLst/>
@@ -2227,8 +2227,8 @@
         </p:nvSpPr>
         <p:spPr>
           <a:xfrm>
-            <a:off x="504000" y="210600"/>
-            <a:ext cx="7019280" cy="946800"/>
+            <a:off x="504000" y="226080"/>
+            <a:ext cx="9072000" cy="946440"/>
           </a:xfrm>
           <a:prstGeom prst="rect">
             <a:avLst/>
@@ -2280,8 +2280,8 @@
         </p:nvSpPr>
         <p:spPr>
           <a:xfrm>
-            <a:off x="504000" y="210600"/>
-            <a:ext cx="7019280" cy="4390200"/>
+            <a:off x="504000" y="226080"/>
+            <a:ext cx="9072000" cy="4388400"/>
           </a:xfrm>
           <a:prstGeom prst="rect">
             <a:avLst/>
@@ -2333,8 +2333,8 @@
         </p:nvSpPr>
         <p:spPr>
           <a:xfrm>
-            <a:off x="504000" y="210600"/>
-            <a:ext cx="7019280" cy="946800"/>
+            <a:off x="504000" y="226080"/>
+            <a:ext cx="9072000" cy="946440"/>
           </a:xfrm>
           <a:prstGeom prst="rect">
             <a:avLst/>
@@ -2364,8 +2364,8 @@
         </p:nvSpPr>
         <p:spPr>
           <a:xfrm>
-            <a:off x="504000" y="1368000"/>
-            <a:ext cx="4426560" cy="1567800"/>
+            <a:off x="504000" y="1326600"/>
+            <a:ext cx="4426920" cy="1568520"/>
           </a:xfrm>
           <a:prstGeom prst="rect">
             <a:avLst/>
@@ -2394,8 +2394,8 @@
         </p:nvSpPr>
         <p:spPr>
           <a:xfrm>
-            <a:off x="5152320" y="1368000"/>
-            <a:ext cx="4426560" cy="3287520"/>
+            <a:off x="5152680" y="1326600"/>
+            <a:ext cx="4426920" cy="3288600"/>
           </a:xfrm>
           <a:prstGeom prst="rect">
             <a:avLst/>
@@ -2424,8 +2424,8 @@
         </p:nvSpPr>
         <p:spPr>
           <a:xfrm>
-            <a:off x="504000" y="3085200"/>
-            <a:ext cx="4426560" cy="1567800"/>
+            <a:off x="504000" y="3044520"/>
+            <a:ext cx="4426920" cy="1568520"/>
           </a:xfrm>
           <a:prstGeom prst="rect">
             <a:avLst/>
@@ -2476,8 +2476,8 @@
         </p:nvSpPr>
         <p:spPr>
           <a:xfrm>
-            <a:off x="504000" y="210600"/>
-            <a:ext cx="7019280" cy="946800"/>
+            <a:off x="504000" y="226080"/>
+            <a:ext cx="9072000" cy="946440"/>
           </a:xfrm>
           <a:prstGeom prst="rect">
             <a:avLst/>
@@ -2507,8 +2507,8 @@
         </p:nvSpPr>
         <p:spPr>
           <a:xfrm>
-            <a:off x="504000" y="1368000"/>
-            <a:ext cx="4426560" cy="3287520"/>
+            <a:off x="504000" y="1326600"/>
+            <a:ext cx="4426920" cy="3288600"/>
           </a:xfrm>
           <a:prstGeom prst="rect">
             <a:avLst/>
@@ -2537,8 +2537,8 @@
         </p:nvSpPr>
         <p:spPr>
           <a:xfrm>
-            <a:off x="5152320" y="1368000"/>
-            <a:ext cx="4426560" cy="1567800"/>
+            <a:off x="5152680" y="1326600"/>
+            <a:ext cx="4426920" cy="1568520"/>
           </a:xfrm>
           <a:prstGeom prst="rect">
             <a:avLst/>
@@ -2567,8 +2567,8 @@
         </p:nvSpPr>
         <p:spPr>
           <a:xfrm>
-            <a:off x="5152320" y="3085200"/>
-            <a:ext cx="4426560" cy="1567800"/>
+            <a:off x="5152680" y="3044520"/>
+            <a:ext cx="4426920" cy="1568520"/>
           </a:xfrm>
           <a:prstGeom prst="rect">
             <a:avLst/>
@@ -2619,8 +2619,8 @@
         </p:nvSpPr>
         <p:spPr>
           <a:xfrm>
-            <a:off x="504000" y="210600"/>
-            <a:ext cx="7019280" cy="946800"/>
+            <a:off x="504000" y="226080"/>
+            <a:ext cx="9072000" cy="946440"/>
           </a:xfrm>
           <a:prstGeom prst="rect">
             <a:avLst/>
@@ -2650,8 +2650,8 @@
         </p:nvSpPr>
         <p:spPr>
           <a:xfrm>
-            <a:off x="504000" y="1368000"/>
-            <a:ext cx="4426560" cy="1567800"/>
+            <a:off x="504000" y="1326600"/>
+            <a:ext cx="4426920" cy="1568520"/>
           </a:xfrm>
           <a:prstGeom prst="rect">
             <a:avLst/>
@@ -2680,8 +2680,8 @@
         </p:nvSpPr>
         <p:spPr>
           <a:xfrm>
-            <a:off x="5152320" y="1368000"/>
-            <a:ext cx="4426560" cy="1567800"/>
+            <a:off x="5152680" y="1326600"/>
+            <a:ext cx="4426920" cy="1568520"/>
           </a:xfrm>
           <a:prstGeom prst="rect">
             <a:avLst/>
@@ -2710,8 +2710,8 @@
         </p:nvSpPr>
         <p:spPr>
           <a:xfrm>
-            <a:off x="504000" y="3085200"/>
-            <a:ext cx="9071280" cy="1567800"/>
+            <a:off x="504000" y="3044520"/>
+            <a:ext cx="9072000" cy="1568520"/>
           </a:xfrm>
           <a:prstGeom prst="rect">
             <a:avLst/>
@@ -2763,7 +2763,7 @@
         <p:spPr>
           <a:xfrm>
             <a:off x="-58320" y="81000"/>
-            <a:ext cx="7793640" cy="1204920"/>
+            <a:ext cx="7793280" cy="1204560"/>
           </a:xfrm>
           <a:prstGeom prst="rect">
             <a:avLst/>
@@ -3039,7 +3039,7 @@
         <p:spPr>
           <a:xfrm>
             <a:off x="-58320" y="81000"/>
-            <a:ext cx="7793640" cy="1204920"/>
+            <a:ext cx="7793280" cy="1204560"/>
           </a:xfrm>
           <a:prstGeom prst="rect">
             <a:avLst/>
@@ -3061,8 +3061,8 @@
         </p:nvSpPr>
         <p:spPr>
           <a:xfrm>
-            <a:off x="504000" y="210600"/>
-            <a:ext cx="7019280" cy="946800"/>
+            <a:off x="504000" y="226080"/>
+            <a:ext cx="9072000" cy="946440"/>
           </a:xfrm>
           <a:prstGeom prst="rect">
             <a:avLst/>
@@ -3070,16 +3070,17 @@
         </p:spPr>
         <p:txBody>
           <a:bodyPr lIns="0" rIns="0" tIns="0" bIns="0" anchor="ctr">
-            <a:spAutoFit/>
-          </a:bodyPr>
-          <a:p>
+            <a:noAutofit/>
+          </a:bodyPr>
+          <a:p>
+            <a:pPr algn="ctr"/>
             <a:r>
-              <a:rPr b="0" lang="en-US" sz="1800" spc="-1" strike="noStrike">
+              <a:rPr b="0" lang="en-US" sz="4400" spc="-1" strike="noStrike">
                 <a:latin typeface="Arial"/>
               </a:rPr>
               <a:t>Click to edit the title text format</a:t>
             </a:r>
-            <a:endParaRPr b="0" lang="en-US" sz="1800" spc="-1" strike="noStrike">
+            <a:endParaRPr b="0" lang="en-US" sz="4400" spc="-1" strike="noStrike">
               <a:latin typeface="Arial"/>
             </a:endParaRPr>
           </a:p>
@@ -3097,8 +3098,8 @@
         </p:nvSpPr>
         <p:spPr>
           <a:xfrm>
-            <a:off x="504000" y="1368000"/>
-            <a:ext cx="9071280" cy="3287520"/>
+            <a:off x="504000" y="1326600"/>
+            <a:ext cx="9072000" cy="3288600"/>
           </a:xfrm>
           <a:prstGeom prst="rect">
             <a:avLst/>
@@ -3121,12 +3122,12 @@
               <a:buChar char=""/>
             </a:pPr>
             <a:r>
-              <a:rPr b="0" lang="en-US" sz="1800" spc="-1" strike="noStrike">
+              <a:rPr b="0" lang="en-US" sz="3200" spc="-1" strike="noStrike">
                 <a:latin typeface="Arial"/>
               </a:rPr>
               <a:t>Click to edit the outline text format</a:t>
             </a:r>
-            <a:endParaRPr b="0" lang="en-US" sz="1800" spc="-1" strike="noStrike">
+            <a:endParaRPr b="0" lang="en-US" sz="3200" spc="-1" strike="noStrike">
               <a:latin typeface="Arial"/>
             </a:endParaRPr>
           </a:p>
@@ -3143,12 +3144,12 @@
               <a:buChar char=""/>
             </a:pPr>
             <a:r>
-              <a:rPr b="0" lang="en-US" sz="1800" spc="-1" strike="noStrike">
+              <a:rPr b="0" lang="en-US" sz="2800" spc="-1" strike="noStrike">
                 <a:latin typeface="Arial"/>
               </a:rPr>
               <a:t>Second Outline Level</a:t>
             </a:r>
-            <a:endParaRPr b="0" lang="en-US" sz="1800" spc="-1" strike="noStrike">
+            <a:endParaRPr b="0" lang="en-US" sz="2800" spc="-1" strike="noStrike">
               <a:latin typeface="Arial"/>
             </a:endParaRPr>
           </a:p>
@@ -3165,12 +3166,12 @@
               <a:buChar char=""/>
             </a:pPr>
             <a:r>
-              <a:rPr b="0" lang="en-US" sz="1800" spc="-1" strike="noStrike">
+              <a:rPr b="0" lang="en-US" sz="2400" spc="-1" strike="noStrike">
                 <a:latin typeface="Arial"/>
               </a:rPr>
               <a:t>Third Outline Level</a:t>
             </a:r>
-            <a:endParaRPr b="0" lang="en-US" sz="1800" spc="-1" strike="noStrike">
+            <a:endParaRPr b="0" lang="en-US" sz="2400" spc="-1" strike="noStrike">
               <a:latin typeface="Arial"/>
             </a:endParaRPr>
           </a:p>
@@ -3187,12 +3188,12 @@
               <a:buChar char=""/>
             </a:pPr>
             <a:r>
-              <a:rPr b="0" lang="en-US" sz="1800" spc="-1" strike="noStrike">
+              <a:rPr b="0" lang="en-US" sz="2000" spc="-1" strike="noStrike">
                 <a:latin typeface="Arial"/>
               </a:rPr>
               <a:t>Fourth Outline Level</a:t>
             </a:r>
-            <a:endParaRPr b="0" lang="en-US" sz="1800" spc="-1" strike="noStrike">
+            <a:endParaRPr b="0" lang="en-US" sz="2000" spc="-1" strike="noStrike">
               <a:latin typeface="Arial"/>
             </a:endParaRPr>
           </a:p>
@@ -3209,12 +3210,12 @@
               <a:buChar char=""/>
             </a:pPr>
             <a:r>
-              <a:rPr b="0" lang="en-US" sz="1800" spc="-1" strike="noStrike">
+              <a:rPr b="0" lang="en-US" sz="2000" spc="-1" strike="noStrike">
                 <a:latin typeface="Arial"/>
               </a:rPr>
               <a:t>Fifth Outline Level</a:t>
             </a:r>
-            <a:endParaRPr b="0" lang="en-US" sz="1800" spc="-1" strike="noStrike">
+            <a:endParaRPr b="0" lang="en-US" sz="2000" spc="-1" strike="noStrike">
               <a:latin typeface="Arial"/>
             </a:endParaRPr>
           </a:p>
@@ -3231,12 +3232,12 @@
               <a:buChar char=""/>
             </a:pPr>
             <a:r>
-              <a:rPr b="0" lang="en-US" sz="1800" spc="-1" strike="noStrike">
+              <a:rPr b="0" lang="en-US" sz="2000" spc="-1" strike="noStrike">
                 <a:latin typeface="Arial"/>
               </a:rPr>
               <a:t>Sixth Outline Level</a:t>
             </a:r>
-            <a:endParaRPr b="0" lang="en-US" sz="1800" spc="-1" strike="noStrike">
+            <a:endParaRPr b="0" lang="en-US" sz="2000" spc="-1" strike="noStrike">
               <a:latin typeface="Arial"/>
             </a:endParaRPr>
           </a:p>
@@ -3253,12 +3254,12 @@
               <a:buChar char=""/>
             </a:pPr>
             <a:r>
-              <a:rPr b="0" lang="en-US" sz="1800" spc="-1" strike="noStrike">
+              <a:rPr b="0" lang="en-US" sz="2000" spc="-1" strike="noStrike">
                 <a:latin typeface="Arial"/>
               </a:rPr>
               <a:t>Seventh Outline Level</a:t>
             </a:r>
-            <a:endParaRPr b="0" lang="en-US" sz="1800" spc="-1" strike="noStrike">
+            <a:endParaRPr b="0" lang="en-US" sz="2000" spc="-1" strike="noStrike">
               <a:latin typeface="Arial"/>
             </a:endParaRPr>
           </a:p>
@@ -3310,7 +3311,7 @@
         <p:spPr>
           <a:xfrm>
             <a:off x="504000" y="216000"/>
-            <a:ext cx="7019280" cy="935280"/>
+            <a:ext cx="7018920" cy="934920"/>
           </a:xfrm>
           <a:prstGeom prst="rect">
             <a:avLst/>
@@ -3336,7 +3337,7 @@
         <p:spPr>
           <a:xfrm>
             <a:off x="504000" y="1368000"/>
-            <a:ext cx="9071280" cy="3287520"/>
+            <a:ext cx="9070920" cy="3287160"/>
           </a:xfrm>
           <a:prstGeom prst="rect">
             <a:avLst/>
@@ -3354,7 +3355,7 @@
         </p:style>
         <p:txBody>
           <a:bodyPr lIns="0" rIns="0" tIns="0" bIns="0">
-            <a:normAutofit fontScale="61000"/>
+            <a:normAutofit fontScale="66000"/>
           </a:bodyPr>
           <a:p>
             <a:pPr>
@@ -3520,17 +3521,7 @@
                 <a:latin typeface="Arial"/>
                 <a:ea typeface="DejaVu Sans"/>
               </a:rPr>
-              <a:t>                                                                                                                                                            </a:t>
-            </a:r>
-            <a:r>
-              <a:rPr b="0" lang="en-US" sz="1100" spc="-1" strike="noStrike">
-                <a:solidFill>
-                  <a:srgbClr val="000000"/>
-                </a:solidFill>
-                <a:latin typeface="Arial"/>
-                <a:ea typeface="DejaVu Sans"/>
-              </a:rPr>
-              <a:t>(referring to a blog on ML: https://kindsonthegenius.com/blog)</a:t>
+              <a:t>                                                                                                                                                         </a:t>
             </a:r>
             <a:endParaRPr b="0" lang="en-US" sz="1100" spc="-1" strike="noStrike">
               <a:latin typeface="Arial"/>
@@ -3577,7 +3568,7 @@
         <p:spPr>
           <a:xfrm>
             <a:off x="504000" y="216000"/>
-            <a:ext cx="7019280" cy="935280"/>
+            <a:ext cx="7018920" cy="934920"/>
           </a:xfrm>
           <a:prstGeom prst="rect">
             <a:avLst/>
@@ -3603,7 +3594,7 @@
         <p:spPr>
           <a:xfrm>
             <a:off x="504000" y="1368000"/>
-            <a:ext cx="9071280" cy="3287520"/>
+            <a:ext cx="9070920" cy="3287160"/>
           </a:xfrm>
           <a:prstGeom prst="rect">
             <a:avLst/>
@@ -3624,7 +3615,7 @@
             <a:normAutofit/>
           </a:bodyPr>
           <a:p>
-            <a:pPr marL="432000" indent="-323280">
+            <a:pPr marL="432000" indent="-322920">
               <a:lnSpc>
                 <a:spcPct val="100000"/>
               </a:lnSpc>
@@ -3666,7 +3657,7 @@
             </a:endParaRPr>
           </a:p>
           <a:p>
-            <a:pPr marL="432000" indent="-323280">
+            <a:pPr marL="432000" indent="-322920">
               <a:lnSpc>
                 <a:spcPct val="100000"/>
               </a:lnSpc>
@@ -3735,7 +3726,7 @@
         <p:spPr>
           <a:xfrm>
             <a:off x="504000" y="348120"/>
-            <a:ext cx="7019280" cy="671040"/>
+            <a:ext cx="7018920" cy="670680"/>
           </a:xfrm>
           <a:prstGeom prst="rect">
             <a:avLst/>
@@ -3763,13 +3754,21 @@
             </a:pPr>
             <a:r>
               <a:rPr b="0" lang="en-US" sz="4400" spc="-1" strike="noStrike">
+                <a:solidFill>
+                  <a:srgbClr val="000000"/>
+                </a:solidFill>
                 <a:latin typeface="Arial"/>
+                <a:ea typeface="DejaVu Sans"/>
               </a:rPr>
               <a:t>	</a:t>
             </a:r>
             <a:r>
               <a:rPr b="0" lang="en-US" sz="4400" spc="-1" strike="noStrike">
+                <a:solidFill>
+                  <a:srgbClr val="000000"/>
+                </a:solidFill>
                 <a:latin typeface="Arial"/>
+                <a:ea typeface="DejaVu Sans"/>
               </a:rPr>
               <a:t>	</a:t>
             </a:r>
@@ -3788,7 +3787,7 @@
         <p:spPr>
           <a:xfrm>
             <a:off x="504000" y="1368000"/>
-            <a:ext cx="9071280" cy="3287520"/>
+            <a:ext cx="9070920" cy="3287160"/>
           </a:xfrm>
           <a:prstGeom prst="rect">
             <a:avLst/>
@@ -3809,7 +3808,7 @@
             <a:normAutofit/>
           </a:bodyPr>
           <a:p>
-            <a:pPr marL="432000" indent="-323640">
+            <a:pPr marL="432000" indent="-323280">
               <a:lnSpc>
                 <a:spcPct val="100000"/>
               </a:lnSpc>
@@ -3825,7 +3824,11 @@
             </a:pPr>
             <a:r>
               <a:rPr b="0" lang="en-US" sz="3200" spc="-1" strike="noStrike">
+                <a:solidFill>
+                  <a:srgbClr val="000000"/>
+                </a:solidFill>
                 <a:latin typeface="Arial"/>
+                <a:ea typeface="DejaVu Sans"/>
               </a:rPr>
               <a:t>Install “ML.NET” from Manage NuGet Packages option. This helps add files to the project.</a:t>
             </a:r>
@@ -3847,7 +3850,7 @@
             </a:endParaRPr>
           </a:p>
           <a:p>
-            <a:pPr marL="432000" indent="-323640">
+            <a:pPr marL="432000" indent="-323280">
               <a:lnSpc>
                 <a:spcPct val="100000"/>
               </a:lnSpc>
@@ -3863,7 +3866,11 @@
             </a:pPr>
             <a:r>
               <a:rPr b="0" lang="en-US" sz="3200" spc="-1" strike="noStrike">
+                <a:solidFill>
+                  <a:srgbClr val="000000"/>
+                </a:solidFill>
                 <a:latin typeface="Arial"/>
+                <a:ea typeface="DejaVu Sans"/>
               </a:rPr>
               <a:t>The version of ML.NET installed here is 0.4.0</a:t>
             </a:r>
@@ -3912,7 +3919,7 @@
         <p:spPr>
           <a:xfrm>
             <a:off x="504000" y="216000"/>
-            <a:ext cx="7019280" cy="935280"/>
+            <a:ext cx="7018920" cy="934920"/>
           </a:xfrm>
           <a:prstGeom prst="rect">
             <a:avLst/>
@@ -3938,7 +3945,7 @@
         <p:spPr>
           <a:xfrm>
             <a:off x="504000" y="1368000"/>
-            <a:ext cx="9071280" cy="3287520"/>
+            <a:ext cx="9070920" cy="3287160"/>
           </a:xfrm>
           <a:prstGeom prst="rect">
             <a:avLst/>
@@ -3959,7 +3966,7 @@
             <a:normAutofit/>
           </a:bodyPr>
           <a:p>
-            <a:pPr marL="432000" indent="-323280">
+            <a:pPr marL="432000" indent="-322920">
               <a:lnSpc>
                 <a:spcPct val="100000"/>
               </a:lnSpc>
@@ -4001,7 +4008,7 @@
             </a:endParaRPr>
           </a:p>
           <a:p>
-            <a:pPr marL="432000" indent="-323280">
+            <a:pPr marL="432000" indent="-322920">
               <a:lnSpc>
                 <a:spcPct val="100000"/>
               </a:lnSpc>
@@ -4030,7 +4037,7 @@
             </a:endParaRPr>
           </a:p>
           <a:p>
-            <a:pPr marL="432000" indent="-323280">
+            <a:pPr marL="432000" indent="-322920">
               <a:lnSpc>
                 <a:spcPct val="100000"/>
               </a:lnSpc>
@@ -4099,7 +4106,7 @@
         <p:spPr>
           <a:xfrm>
             <a:off x="504000" y="210600"/>
-            <a:ext cx="7019280" cy="946440"/>
+            <a:ext cx="7018920" cy="946080"/>
           </a:xfrm>
           <a:prstGeom prst="rect">
             <a:avLst/>
@@ -4125,7 +4132,7 @@
         <p:spPr>
           <a:xfrm>
             <a:off x="504000" y="1368000"/>
-            <a:ext cx="9071280" cy="3287520"/>
+            <a:ext cx="9070920" cy="3287160"/>
           </a:xfrm>
           <a:prstGeom prst="rect">
             <a:avLst/>
@@ -4146,7 +4153,7 @@
             <a:normAutofit/>
           </a:bodyPr>
           <a:p>
-            <a:pPr marL="432000" indent="-323640">
+            <a:pPr marL="432000" indent="-323280">
               <a:lnSpc>
                 <a:spcPct val="100000"/>
               </a:lnSpc>
@@ -4162,7 +4169,11 @@
             </a:pPr>
             <a:r>
               <a:rPr b="0" lang="en-US" sz="3200" spc="-1" strike="noStrike">
+                <a:solidFill>
+                  <a:srgbClr val="000000"/>
+                </a:solidFill>
                 <a:latin typeface="Arial"/>
+                <a:ea typeface="DejaVu Sans"/>
               </a:rPr>
               <a:t>A pipeline to allow external data to be loaded is created.</a:t>
             </a:r>
@@ -4171,7 +4182,7 @@
             </a:endParaRPr>
           </a:p>
           <a:p>
-            <a:pPr marL="432000" indent="-323640">
+            <a:pPr marL="432000" indent="-323280">
               <a:lnSpc>
                 <a:spcPct val="100000"/>
               </a:lnSpc>
@@ -4187,7 +4198,11 @@
             </a:pPr>
             <a:r>
               <a:rPr b="0" lang="en-US" sz="3200" spc="-1" strike="noStrike">
+                <a:solidFill>
+                  <a:srgbClr val="000000"/>
+                </a:solidFill>
                 <a:latin typeface="Arial"/>
+                <a:ea typeface="DejaVu Sans"/>
               </a:rPr>
               <a:t>The iris dataset is loaded to this project.</a:t>
             </a:r>
@@ -4196,7 +4211,7 @@
             </a:endParaRPr>
           </a:p>
           <a:p>
-            <a:pPr marL="432000" indent="-323640">
+            <a:pPr marL="432000" indent="-323280">
               <a:lnSpc>
                 <a:spcPct val="100000"/>
               </a:lnSpc>
@@ -4212,7 +4227,11 @@
             </a:pPr>
             <a:r>
               <a:rPr b="0" lang="en-US" sz="3200" spc="-1" strike="noStrike">
+                <a:solidFill>
+                  <a:srgbClr val="000000"/>
+                </a:solidFill>
                 <a:latin typeface="Arial"/>
+                <a:ea typeface="DejaVu Sans"/>
               </a:rPr>
               <a:t>Also, add the file from the local drive to the C# project by choosing the “add existing” option.</a:t>
             </a:r>
@@ -4261,7 +4280,7 @@
         <p:spPr>
           <a:xfrm>
             <a:off x="504000" y="210600"/>
-            <a:ext cx="7019280" cy="946440"/>
+            <a:ext cx="7018920" cy="946080"/>
           </a:xfrm>
           <a:prstGeom prst="rect">
             <a:avLst/>
@@ -4287,7 +4306,7 @@
         <p:spPr>
           <a:xfrm>
             <a:off x="504000" y="1368000"/>
-            <a:ext cx="9071280" cy="3287520"/>
+            <a:ext cx="9070920" cy="3287160"/>
           </a:xfrm>
           <a:prstGeom prst="rect">
             <a:avLst/>
@@ -4308,7 +4327,7 @@
             <a:normAutofit/>
           </a:bodyPr>
           <a:p>
-            <a:pPr marL="432000" indent="-323640">
+            <a:pPr marL="432000" indent="-323280">
               <a:lnSpc>
                 <a:spcPct val="100000"/>
               </a:lnSpc>
@@ -4324,7 +4343,11 @@
             </a:pPr>
             <a:r>
               <a:rPr b="0" lang="en-US" sz="2600" spc="-1" strike="noStrike">
+                <a:solidFill>
+                  <a:srgbClr val="000000"/>
+                </a:solidFill>
                 <a:latin typeface="Arial"/>
+                <a:ea typeface="DejaVu Sans"/>
               </a:rPr>
               <a:t>Data now needs to be transformed from string to numeric. Each type of label is assigned a number. This can be done by using the Dictionarizer object.</a:t>
             </a:r>
@@ -4333,7 +4356,7 @@
             </a:endParaRPr>
           </a:p>
           <a:p>
-            <a:pPr marL="432000" indent="-323640">
+            <a:pPr marL="432000" indent="-323280">
               <a:lnSpc>
                 <a:spcPct val="100000"/>
               </a:lnSpc>
@@ -4349,7 +4372,11 @@
             </a:pPr>
             <a:r>
               <a:rPr b="0" lang="en-US" sz="2600" spc="-1" strike="noStrike">
+                <a:solidFill>
+                  <a:srgbClr val="000000"/>
+                </a:solidFill>
                 <a:latin typeface="Arial"/>
+                <a:ea typeface="DejaVu Sans"/>
               </a:rPr>
               <a:t>ColumnConcatenator is used to merge all the features into one single string.</a:t>
             </a:r>
@@ -4398,7 +4425,7 @@
         <p:spPr>
           <a:xfrm>
             <a:off x="504000" y="210600"/>
-            <a:ext cx="7019280" cy="946440"/>
+            <a:ext cx="7018920" cy="946080"/>
           </a:xfrm>
           <a:prstGeom prst="rect">
             <a:avLst/>
@@ -4424,7 +4451,7 @@
         <p:spPr>
           <a:xfrm>
             <a:off x="504000" y="1368000"/>
-            <a:ext cx="9071280" cy="3287520"/>
+            <a:ext cx="9070920" cy="3287160"/>
           </a:xfrm>
           <a:prstGeom prst="rect">
             <a:avLst/>
@@ -4445,7 +4472,7 @@
             <a:normAutofit/>
           </a:bodyPr>
           <a:p>
-            <a:pPr marL="432000" indent="-323640">
+            <a:pPr marL="432000" indent="-323280">
               <a:lnSpc>
                 <a:spcPct val="100000"/>
               </a:lnSpc>
@@ -4461,7 +4488,11 @@
             </a:pPr>
             <a:r>
               <a:rPr b="0" lang="en-US" sz="3200" spc="-1" strike="noStrike">
+                <a:solidFill>
+                  <a:srgbClr val="000000"/>
+                </a:solidFill>
                 <a:latin typeface="Arial"/>
+                <a:ea typeface="DejaVu Sans"/>
               </a:rPr>
               <a:t>The learning algorithm is added that trains a classification model.</a:t>
             </a:r>
@@ -4483,7 +4514,7 @@
             </a:endParaRPr>
           </a:p>
           <a:p>
-            <a:pPr marL="432000" indent="-323640">
+            <a:pPr marL="432000" indent="-323280">
               <a:lnSpc>
                 <a:spcPct val="100000"/>
               </a:lnSpc>
@@ -4499,7 +4530,11 @@
             </a:pPr>
             <a:r>
               <a:rPr b="0" lang="en-US" sz="3200" spc="-1" strike="noStrike">
+                <a:solidFill>
+                  <a:srgbClr val="000000"/>
+                </a:solidFill>
                 <a:latin typeface="Arial"/>
+                <a:ea typeface="DejaVu Sans"/>
               </a:rPr>
               <a:t>The algorithm used here is StochasticDualCoordinateAscentClassifier().</a:t>
             </a:r>
@@ -4561,7 +4596,7 @@
         <p:spPr>
           <a:xfrm>
             <a:off x="504000" y="210600"/>
-            <a:ext cx="7019280" cy="946440"/>
+            <a:ext cx="7018920" cy="946080"/>
           </a:xfrm>
           <a:prstGeom prst="rect">
             <a:avLst/>
@@ -4587,7 +4622,7 @@
         <p:spPr>
           <a:xfrm>
             <a:off x="504000" y="1368000"/>
-            <a:ext cx="9071280" cy="3287520"/>
+            <a:ext cx="9070920" cy="3287160"/>
           </a:xfrm>
           <a:prstGeom prst="rect">
             <a:avLst/>
@@ -4608,7 +4643,7 @@
             <a:normAutofit/>
           </a:bodyPr>
           <a:p>
-            <a:pPr marL="432000" indent="-323640">
+            <a:pPr marL="432000" indent="-323280">
               <a:lnSpc>
                 <a:spcPct val="100000"/>
               </a:lnSpc>
@@ -4624,7 +4659,11 @@
             </a:pPr>
             <a:r>
               <a:rPr b="0" lang="en-US" sz="3200" spc="-1" strike="noStrike">
+                <a:solidFill>
+                  <a:srgbClr val="000000"/>
+                </a:solidFill>
                 <a:latin typeface="Arial"/>
+                <a:ea typeface="DejaVu Sans"/>
               </a:rPr>
               <a:t>The Train() method of the pipeline object is called to train the model.</a:t>
             </a:r>
@@ -4673,7 +4712,7 @@
         <p:spPr>
           <a:xfrm>
             <a:off x="504000" y="210600"/>
-            <a:ext cx="7019280" cy="946440"/>
+            <a:ext cx="7018920" cy="946080"/>
           </a:xfrm>
           <a:prstGeom prst="rect">
             <a:avLst/>
@@ -4699,7 +4738,7 @@
         <p:spPr>
           <a:xfrm>
             <a:off x="504000" y="1368000"/>
-            <a:ext cx="9071280" cy="3287520"/>
+            <a:ext cx="9070920" cy="3287160"/>
           </a:xfrm>
           <a:prstGeom prst="rect">
             <a:avLst/>
@@ -4720,7 +4759,7 @@
             <a:normAutofit/>
           </a:bodyPr>
           <a:p>
-            <a:pPr marL="432000" indent="-323640">
+            <a:pPr marL="432000" indent="-323280">
               <a:lnSpc>
                 <a:spcPct val="100000"/>
               </a:lnSpc>
@@ -4736,7 +4775,11 @@
             </a:pPr>
             <a:r>
               <a:rPr b="0" lang="en-US" sz="3200" spc="-1" strike="noStrike">
+                <a:solidFill>
+                  <a:srgbClr val="000000"/>
+                </a:solidFill>
                 <a:latin typeface="Arial"/>
+                <a:ea typeface="DejaVu Sans"/>
               </a:rPr>
               <a:t>Using the model to make prediction is the next step.</a:t>
             </a:r>
@@ -4745,7 +4788,7 @@
             </a:endParaRPr>
           </a:p>
           <a:p>
-            <a:pPr marL="432000" indent="-323640">
+            <a:pPr marL="432000" indent="-323280">
               <a:lnSpc>
                 <a:spcPct val="100000"/>
               </a:lnSpc>
@@ -4761,7 +4804,11 @@
             </a:pPr>
             <a:r>
               <a:rPr b="0" lang="en-US" sz="3200" spc="-1" strike="noStrike">
+                <a:solidFill>
+                  <a:srgbClr val="000000"/>
+                </a:solidFill>
                 <a:latin typeface="Arial"/>
+                <a:ea typeface="DejaVu Sans"/>
               </a:rPr>
               <a:t>A new set of features are passed, the model is then allowed to predict the class it belongs to.</a:t>
             </a:r>
